--- a/out/EDA 2023-02-02.pptx
+++ b/out/EDA 2023-02-02.pptx
@@ -17,6 +17,12 @@
     <p:sldId id="265" r:id="rId11"/>
     <p:sldId id="267" r:id="rId12"/>
     <p:sldId id="266" r:id="rId13"/>
+    <p:sldId id="268" r:id="rId14"/>
+    <p:sldId id="269" r:id="rId15"/>
+    <p:sldId id="270" r:id="rId16"/>
+    <p:sldId id="271" r:id="rId17"/>
+    <p:sldId id="272" r:id="rId18"/>
+    <p:sldId id="273" r:id="rId19"/>
   </p:sldIdLst>
   <p:sldSz cx="12192000" cy="6858000"/>
   <p:notesSz cx="6858000" cy="9144000"/>
@@ -115,6 +121,11 @@
       </a:defRPr>
     </a:lvl9pPr>
   </p:defaultTextStyle>
+  <p:extLst>
+    <p:ext uri="{EFAFB233-063F-42B5-8137-9DF3F51BA10A}">
+      <p15:sldGuideLst xmlns:p15="http://schemas.microsoft.com/office/powerpoint/2012/main"/>
+    </p:ext>
+  </p:extLst>
 </p:presentation>
 </file>
 
@@ -267,7 +278,7 @@
           <a:p>
             <a:fld id="{2097AE0F-E68E-8C40-A20E-9512FEEF63A1}" type="datetimeFigureOut">
               <a:rPr lang="en-DE" smtClean="0"/>
-              <a:t>02.02.23</a:t>
+              <a:t>03.02.23</a:t>
             </a:fld>
             <a:endParaRPr lang="en-DE"/>
           </a:p>
@@ -467,7 +478,7 @@
           <a:p>
             <a:fld id="{2097AE0F-E68E-8C40-A20E-9512FEEF63A1}" type="datetimeFigureOut">
               <a:rPr lang="en-DE" smtClean="0"/>
-              <a:t>02.02.23</a:t>
+              <a:t>03.02.23</a:t>
             </a:fld>
             <a:endParaRPr lang="en-DE"/>
           </a:p>
@@ -677,7 +688,7 @@
           <a:p>
             <a:fld id="{2097AE0F-E68E-8C40-A20E-9512FEEF63A1}" type="datetimeFigureOut">
               <a:rPr lang="en-DE" smtClean="0"/>
-              <a:t>02.02.23</a:t>
+              <a:t>03.02.23</a:t>
             </a:fld>
             <a:endParaRPr lang="en-DE"/>
           </a:p>
@@ -877,7 +888,7 @@
           <a:p>
             <a:fld id="{2097AE0F-E68E-8C40-A20E-9512FEEF63A1}" type="datetimeFigureOut">
               <a:rPr lang="en-DE" smtClean="0"/>
-              <a:t>02.02.23</a:t>
+              <a:t>03.02.23</a:t>
             </a:fld>
             <a:endParaRPr lang="en-DE"/>
           </a:p>
@@ -1153,7 +1164,7 @@
           <a:p>
             <a:fld id="{2097AE0F-E68E-8C40-A20E-9512FEEF63A1}" type="datetimeFigureOut">
               <a:rPr lang="en-DE" smtClean="0"/>
-              <a:t>02.02.23</a:t>
+              <a:t>03.02.23</a:t>
             </a:fld>
             <a:endParaRPr lang="en-DE"/>
           </a:p>
@@ -1421,7 +1432,7 @@
           <a:p>
             <a:fld id="{2097AE0F-E68E-8C40-A20E-9512FEEF63A1}" type="datetimeFigureOut">
               <a:rPr lang="en-DE" smtClean="0"/>
-              <a:t>02.02.23</a:t>
+              <a:t>03.02.23</a:t>
             </a:fld>
             <a:endParaRPr lang="en-DE"/>
           </a:p>
@@ -1836,7 +1847,7 @@
           <a:p>
             <a:fld id="{2097AE0F-E68E-8C40-A20E-9512FEEF63A1}" type="datetimeFigureOut">
               <a:rPr lang="en-DE" smtClean="0"/>
-              <a:t>02.02.23</a:t>
+              <a:t>03.02.23</a:t>
             </a:fld>
             <a:endParaRPr lang="en-DE"/>
           </a:p>
@@ -1978,7 +1989,7 @@
           <a:p>
             <a:fld id="{2097AE0F-E68E-8C40-A20E-9512FEEF63A1}" type="datetimeFigureOut">
               <a:rPr lang="en-DE" smtClean="0"/>
-              <a:t>02.02.23</a:t>
+              <a:t>03.02.23</a:t>
             </a:fld>
             <a:endParaRPr lang="en-DE"/>
           </a:p>
@@ -2091,7 +2102,7 @@
           <a:p>
             <a:fld id="{2097AE0F-E68E-8C40-A20E-9512FEEF63A1}" type="datetimeFigureOut">
               <a:rPr lang="en-DE" smtClean="0"/>
-              <a:t>02.02.23</a:t>
+              <a:t>03.02.23</a:t>
             </a:fld>
             <a:endParaRPr lang="en-DE"/>
           </a:p>
@@ -2404,7 +2415,7 @@
           <a:p>
             <a:fld id="{2097AE0F-E68E-8C40-A20E-9512FEEF63A1}" type="datetimeFigureOut">
               <a:rPr lang="en-DE" smtClean="0"/>
-              <a:t>02.02.23</a:t>
+              <a:t>03.02.23</a:t>
             </a:fld>
             <a:endParaRPr lang="en-DE"/>
           </a:p>
@@ -2693,7 +2704,7 @@
           <a:p>
             <a:fld id="{2097AE0F-E68E-8C40-A20E-9512FEEF63A1}" type="datetimeFigureOut">
               <a:rPr lang="en-DE" smtClean="0"/>
-              <a:t>02.02.23</a:t>
+              <a:t>03.02.23</a:t>
             </a:fld>
             <a:endParaRPr lang="en-DE"/>
           </a:p>
@@ -2936,7 +2947,7 @@
           <a:p>
             <a:fld id="{2097AE0F-E68E-8C40-A20E-9512FEEF63A1}" type="datetimeFigureOut">
               <a:rPr lang="en-DE" smtClean="0"/>
-              <a:t>02.02.23</a:t>
+              <a:t>03.02.23</a:t>
             </a:fld>
             <a:endParaRPr lang="en-DE"/>
           </a:p>
@@ -3628,6 +3639,490 @@
 </p:sld>
 </file>
 
+<file path=ppt/slides/slide13.xml><?xml version="1.0" encoding="utf-8"?>
+<p:sld xmlns:a="http://schemas.openxmlformats.org/drawingml/2006/main" xmlns:r="http://schemas.openxmlformats.org/officeDocument/2006/relationships" xmlns:p="http://schemas.openxmlformats.org/presentationml/2006/main">
+  <p:cSld>
+    <p:spTree>
+      <p:nvGrpSpPr>
+        <p:cNvPr id="1" name=""/>
+        <p:cNvGrpSpPr/>
+        <p:nvPr/>
+      </p:nvGrpSpPr>
+      <p:grpSpPr>
+        <a:xfrm>
+          <a:off x="0" y="0"/>
+          <a:ext cx="0" cy="0"/>
+          <a:chOff x="0" y="0"/>
+          <a:chExt cx="0" cy="0"/>
+        </a:xfrm>
+      </p:grpSpPr>
+      <p:sp>
+        <p:nvSpPr>
+          <p:cNvPr id="2" name="Title 1">
+            <a:extLst>
+              <a:ext uri="{FF2B5EF4-FFF2-40B4-BE49-F238E27FC236}">
+                <a16:creationId xmlns:a16="http://schemas.microsoft.com/office/drawing/2014/main" id="{CFDB0D90-DF2F-CC7B-1B47-E53732A0F3AF}"/>
+              </a:ext>
+            </a:extLst>
+          </p:cNvPr>
+          <p:cNvSpPr>
+            <a:spLocks noGrp="1"/>
+          </p:cNvSpPr>
+          <p:nvPr>
+            <p:ph type="ctrTitle"/>
+          </p:nvPr>
+        </p:nvSpPr>
+        <p:spPr/>
+        <p:txBody>
+          <a:bodyPr/>
+          <a:lstStyle/>
+          <a:p>
+            <a:r>
+              <a:rPr lang="en-DE" dirty="0"/>
+              <a:t>New</a:t>
+            </a:r>
+          </a:p>
+        </p:txBody>
+      </p:sp>
+    </p:spTree>
+    <p:extLst>
+      <p:ext uri="{BB962C8B-B14F-4D97-AF65-F5344CB8AC3E}">
+        <p14:creationId xmlns:p14="http://schemas.microsoft.com/office/powerpoint/2010/main" val="3363491704"/>
+      </p:ext>
+    </p:extLst>
+  </p:cSld>
+  <p:clrMapOvr>
+    <a:masterClrMapping/>
+  </p:clrMapOvr>
+</p:sld>
+</file>
+
+<file path=ppt/slides/slide14.xml><?xml version="1.0" encoding="utf-8"?>
+<p:sld xmlns:a="http://schemas.openxmlformats.org/drawingml/2006/main" xmlns:r="http://schemas.openxmlformats.org/officeDocument/2006/relationships" xmlns:p="http://schemas.openxmlformats.org/presentationml/2006/main">
+  <p:cSld>
+    <p:spTree>
+      <p:nvGrpSpPr>
+        <p:cNvPr id="1" name=""/>
+        <p:cNvGrpSpPr/>
+        <p:nvPr/>
+      </p:nvGrpSpPr>
+      <p:grpSpPr>
+        <a:xfrm>
+          <a:off x="0" y="0"/>
+          <a:ext cx="0" cy="0"/>
+          <a:chOff x="0" y="0"/>
+          <a:chExt cx="0" cy="0"/>
+        </a:xfrm>
+      </p:grpSpPr>
+      <p:pic>
+        <p:nvPicPr>
+          <p:cNvPr id="10" name="Picture 9">
+            <a:extLst>
+              <a:ext uri="{FF2B5EF4-FFF2-40B4-BE49-F238E27FC236}">
+                <a16:creationId xmlns:a16="http://schemas.microsoft.com/office/drawing/2014/main" id="{05BB2481-322D-BF51-02A2-4F1929DB63AE}"/>
+              </a:ext>
+            </a:extLst>
+          </p:cNvPr>
+          <p:cNvPicPr>
+            <a:picLocks noChangeAspect="1"/>
+          </p:cNvPicPr>
+          <p:nvPr/>
+        </p:nvPicPr>
+        <p:blipFill>
+          <a:blip r:embed="rId2"/>
+          <a:stretch>
+            <a:fillRect/>
+          </a:stretch>
+        </p:blipFill>
+        <p:spPr>
+          <a:xfrm>
+            <a:off x="791229" y="1143000"/>
+            <a:ext cx="4572000" cy="4572000"/>
+          </a:xfrm>
+          <a:prstGeom prst="rect">
+            <a:avLst/>
+          </a:prstGeom>
+        </p:spPr>
+      </p:pic>
+      <p:pic>
+        <p:nvPicPr>
+          <p:cNvPr id="12" name="Picture 11">
+            <a:extLst>
+              <a:ext uri="{FF2B5EF4-FFF2-40B4-BE49-F238E27FC236}">
+                <a16:creationId xmlns:a16="http://schemas.microsoft.com/office/drawing/2014/main" id="{4A156FDF-6E7A-BB95-D37F-6D7C4B99CAEF}"/>
+              </a:ext>
+            </a:extLst>
+          </p:cNvPr>
+          <p:cNvPicPr>
+            <a:picLocks noChangeAspect="1"/>
+          </p:cNvPicPr>
+          <p:nvPr/>
+        </p:nvPicPr>
+        <p:blipFill>
+          <a:blip r:embed="rId3"/>
+          <a:stretch>
+            <a:fillRect/>
+          </a:stretch>
+        </p:blipFill>
+        <p:spPr>
+          <a:xfrm>
+            <a:off x="6828773" y="1143000"/>
+            <a:ext cx="4572000" cy="4572000"/>
+          </a:xfrm>
+          <a:prstGeom prst="rect">
+            <a:avLst/>
+          </a:prstGeom>
+        </p:spPr>
+      </p:pic>
+    </p:spTree>
+    <p:extLst>
+      <p:ext uri="{BB962C8B-B14F-4D97-AF65-F5344CB8AC3E}">
+        <p14:creationId xmlns:p14="http://schemas.microsoft.com/office/powerpoint/2010/main" val="4223426422"/>
+      </p:ext>
+    </p:extLst>
+  </p:cSld>
+  <p:clrMapOvr>
+    <a:masterClrMapping/>
+  </p:clrMapOvr>
+</p:sld>
+</file>
+
+<file path=ppt/slides/slide15.xml><?xml version="1.0" encoding="utf-8"?>
+<p:sld xmlns:a="http://schemas.openxmlformats.org/drawingml/2006/main" xmlns:r="http://schemas.openxmlformats.org/officeDocument/2006/relationships" xmlns:p="http://schemas.openxmlformats.org/presentationml/2006/main">
+  <p:cSld>
+    <p:spTree>
+      <p:nvGrpSpPr>
+        <p:cNvPr id="1" name=""/>
+        <p:cNvGrpSpPr/>
+        <p:nvPr/>
+      </p:nvGrpSpPr>
+      <p:grpSpPr>
+        <a:xfrm>
+          <a:off x="0" y="0"/>
+          <a:ext cx="0" cy="0"/>
+          <a:chOff x="0" y="0"/>
+          <a:chExt cx="0" cy="0"/>
+        </a:xfrm>
+      </p:grpSpPr>
+      <p:pic>
+        <p:nvPicPr>
+          <p:cNvPr id="10" name="Picture 9">
+            <a:extLst>
+              <a:ext uri="{FF2B5EF4-FFF2-40B4-BE49-F238E27FC236}">
+                <a16:creationId xmlns:a16="http://schemas.microsoft.com/office/drawing/2014/main" id="{05BB2481-322D-BF51-02A2-4F1929DB63AE}"/>
+              </a:ext>
+            </a:extLst>
+          </p:cNvPr>
+          <p:cNvPicPr>
+            <a:picLocks noChangeAspect="1"/>
+          </p:cNvPicPr>
+          <p:nvPr/>
+        </p:nvPicPr>
+        <p:blipFill>
+          <a:blip r:embed="rId2"/>
+          <a:srcRect/>
+          <a:stretch/>
+        </p:blipFill>
+        <p:spPr>
+          <a:xfrm>
+            <a:off x="791229" y="1143000"/>
+            <a:ext cx="4572000" cy="4572000"/>
+          </a:xfrm>
+          <a:prstGeom prst="rect">
+            <a:avLst/>
+          </a:prstGeom>
+        </p:spPr>
+      </p:pic>
+      <p:pic>
+        <p:nvPicPr>
+          <p:cNvPr id="12" name="Picture 11">
+            <a:extLst>
+              <a:ext uri="{FF2B5EF4-FFF2-40B4-BE49-F238E27FC236}">
+                <a16:creationId xmlns:a16="http://schemas.microsoft.com/office/drawing/2014/main" id="{4A156FDF-6E7A-BB95-D37F-6D7C4B99CAEF}"/>
+              </a:ext>
+            </a:extLst>
+          </p:cNvPr>
+          <p:cNvPicPr>
+            <a:picLocks noChangeAspect="1"/>
+          </p:cNvPicPr>
+          <p:nvPr/>
+        </p:nvPicPr>
+        <p:blipFill>
+          <a:blip r:embed="rId3"/>
+          <a:srcRect/>
+          <a:stretch/>
+        </p:blipFill>
+        <p:spPr>
+          <a:xfrm>
+            <a:off x="6828773" y="1143000"/>
+            <a:ext cx="4572000" cy="4572000"/>
+          </a:xfrm>
+          <a:prstGeom prst="rect">
+            <a:avLst/>
+          </a:prstGeom>
+        </p:spPr>
+      </p:pic>
+    </p:spTree>
+    <p:extLst>
+      <p:ext uri="{BB962C8B-B14F-4D97-AF65-F5344CB8AC3E}">
+        <p14:creationId xmlns:p14="http://schemas.microsoft.com/office/powerpoint/2010/main" val="3329497046"/>
+      </p:ext>
+    </p:extLst>
+  </p:cSld>
+  <p:clrMapOvr>
+    <a:masterClrMapping/>
+  </p:clrMapOvr>
+</p:sld>
+</file>
+
+<file path=ppt/slides/slide16.xml><?xml version="1.0" encoding="utf-8"?>
+<p:sld xmlns:a="http://schemas.openxmlformats.org/drawingml/2006/main" xmlns:r="http://schemas.openxmlformats.org/officeDocument/2006/relationships" xmlns:p="http://schemas.openxmlformats.org/presentationml/2006/main">
+  <p:cSld>
+    <p:spTree>
+      <p:nvGrpSpPr>
+        <p:cNvPr id="1" name=""/>
+        <p:cNvGrpSpPr/>
+        <p:nvPr/>
+      </p:nvGrpSpPr>
+      <p:grpSpPr>
+        <a:xfrm>
+          <a:off x="0" y="0"/>
+          <a:ext cx="0" cy="0"/>
+          <a:chOff x="0" y="0"/>
+          <a:chExt cx="0" cy="0"/>
+        </a:xfrm>
+      </p:grpSpPr>
+      <p:pic>
+        <p:nvPicPr>
+          <p:cNvPr id="10" name="Picture 9">
+            <a:extLst>
+              <a:ext uri="{FF2B5EF4-FFF2-40B4-BE49-F238E27FC236}">
+                <a16:creationId xmlns:a16="http://schemas.microsoft.com/office/drawing/2014/main" id="{05BB2481-322D-BF51-02A2-4F1929DB63AE}"/>
+              </a:ext>
+            </a:extLst>
+          </p:cNvPr>
+          <p:cNvPicPr>
+            <a:picLocks noChangeAspect="1"/>
+          </p:cNvPicPr>
+          <p:nvPr/>
+        </p:nvPicPr>
+        <p:blipFill>
+          <a:blip r:embed="rId2"/>
+          <a:srcRect/>
+          <a:stretch/>
+        </p:blipFill>
+        <p:spPr>
+          <a:xfrm>
+            <a:off x="791229" y="1143000"/>
+            <a:ext cx="4572000" cy="4572000"/>
+          </a:xfrm>
+          <a:prstGeom prst="rect">
+            <a:avLst/>
+          </a:prstGeom>
+        </p:spPr>
+      </p:pic>
+    </p:spTree>
+    <p:extLst>
+      <p:ext uri="{BB962C8B-B14F-4D97-AF65-F5344CB8AC3E}">
+        <p14:creationId xmlns:p14="http://schemas.microsoft.com/office/powerpoint/2010/main" val="1123900614"/>
+      </p:ext>
+    </p:extLst>
+  </p:cSld>
+  <p:clrMapOvr>
+    <a:masterClrMapping/>
+  </p:clrMapOvr>
+</p:sld>
+</file>
+
+<file path=ppt/slides/slide17.xml><?xml version="1.0" encoding="utf-8"?>
+<p:sld xmlns:a="http://schemas.openxmlformats.org/drawingml/2006/main" xmlns:r="http://schemas.openxmlformats.org/officeDocument/2006/relationships" xmlns:p="http://schemas.openxmlformats.org/presentationml/2006/main">
+  <p:cSld>
+    <p:spTree>
+      <p:nvGrpSpPr>
+        <p:cNvPr id="1" name=""/>
+        <p:cNvGrpSpPr/>
+        <p:nvPr/>
+      </p:nvGrpSpPr>
+      <p:grpSpPr>
+        <a:xfrm>
+          <a:off x="0" y="0"/>
+          <a:ext cx="0" cy="0"/>
+          <a:chOff x="0" y="0"/>
+          <a:chExt cx="0" cy="0"/>
+        </a:xfrm>
+      </p:grpSpPr>
+      <p:pic>
+        <p:nvPicPr>
+          <p:cNvPr id="9" name="Picture 8">
+            <a:extLst>
+              <a:ext uri="{FF2B5EF4-FFF2-40B4-BE49-F238E27FC236}">
+                <a16:creationId xmlns:a16="http://schemas.microsoft.com/office/drawing/2014/main" id="{1459AF05-06F6-A527-9483-709D5A31AE02}"/>
+              </a:ext>
+            </a:extLst>
+          </p:cNvPr>
+          <p:cNvPicPr>
+            <a:picLocks noChangeAspect="1"/>
+          </p:cNvPicPr>
+          <p:nvPr/>
+        </p:nvPicPr>
+        <p:blipFill>
+          <a:blip r:embed="rId2"/>
+          <a:stretch>
+            <a:fillRect/>
+          </a:stretch>
+        </p:blipFill>
+        <p:spPr>
+          <a:xfrm>
+            <a:off x="543838" y="886216"/>
+            <a:ext cx="11104324" cy="5552162"/>
+          </a:xfrm>
+          <a:prstGeom prst="rect">
+            <a:avLst/>
+          </a:prstGeom>
+        </p:spPr>
+      </p:pic>
+      <p:sp>
+        <p:nvSpPr>
+          <p:cNvPr id="11" name="TextBox 10">
+            <a:extLst>
+              <a:ext uri="{FF2B5EF4-FFF2-40B4-BE49-F238E27FC236}">
+                <a16:creationId xmlns:a16="http://schemas.microsoft.com/office/drawing/2014/main" id="{3FB359D4-9CDE-B6E8-57F2-4DEF74839898}"/>
+              </a:ext>
+            </a:extLst>
+          </p:cNvPr>
+          <p:cNvSpPr txBox="1"/>
+          <p:nvPr/>
+        </p:nvSpPr>
+        <p:spPr>
+          <a:xfrm>
+            <a:off x="5689478" y="419622"/>
+            <a:ext cx="813043" cy="369332"/>
+          </a:xfrm>
+          <a:prstGeom prst="rect">
+            <a:avLst/>
+          </a:prstGeom>
+          <a:noFill/>
+        </p:spPr>
+        <p:txBody>
+          <a:bodyPr wrap="none" rtlCol="0">
+            <a:spAutoFit/>
+          </a:bodyPr>
+          <a:lstStyle/>
+          <a:p>
+            <a:r>
+              <a:rPr lang="en-DE" dirty="0"/>
+              <a:t>SCN1A</a:t>
+            </a:r>
+          </a:p>
+        </p:txBody>
+      </p:sp>
+    </p:spTree>
+    <p:extLst>
+      <p:ext uri="{BB962C8B-B14F-4D97-AF65-F5344CB8AC3E}">
+        <p14:creationId xmlns:p14="http://schemas.microsoft.com/office/powerpoint/2010/main" val="1330189038"/>
+      </p:ext>
+    </p:extLst>
+  </p:cSld>
+  <p:clrMapOvr>
+    <a:masterClrMapping/>
+  </p:clrMapOvr>
+</p:sld>
+</file>
+
+<file path=ppt/slides/slide18.xml><?xml version="1.0" encoding="utf-8"?>
+<p:sld xmlns:a="http://schemas.openxmlformats.org/drawingml/2006/main" xmlns:r="http://schemas.openxmlformats.org/officeDocument/2006/relationships" xmlns:p="http://schemas.openxmlformats.org/presentationml/2006/main">
+  <p:cSld>
+    <p:spTree>
+      <p:nvGrpSpPr>
+        <p:cNvPr id="1" name=""/>
+        <p:cNvGrpSpPr/>
+        <p:nvPr/>
+      </p:nvGrpSpPr>
+      <p:grpSpPr>
+        <a:xfrm>
+          <a:off x="0" y="0"/>
+          <a:ext cx="0" cy="0"/>
+          <a:chOff x="0" y="0"/>
+          <a:chExt cx="0" cy="0"/>
+        </a:xfrm>
+      </p:grpSpPr>
+      <p:pic>
+        <p:nvPicPr>
+          <p:cNvPr id="9" name="Picture 8">
+            <a:extLst>
+              <a:ext uri="{FF2B5EF4-FFF2-40B4-BE49-F238E27FC236}">
+                <a16:creationId xmlns:a16="http://schemas.microsoft.com/office/drawing/2014/main" id="{1459AF05-06F6-A527-9483-709D5A31AE02}"/>
+              </a:ext>
+            </a:extLst>
+          </p:cNvPr>
+          <p:cNvPicPr>
+            <a:picLocks noChangeAspect="1"/>
+          </p:cNvPicPr>
+          <p:nvPr/>
+        </p:nvPicPr>
+        <p:blipFill>
+          <a:blip r:embed="rId2"/>
+          <a:srcRect/>
+          <a:stretch/>
+        </p:blipFill>
+        <p:spPr>
+          <a:xfrm>
+            <a:off x="543838" y="886216"/>
+            <a:ext cx="11104324" cy="5552162"/>
+          </a:xfrm>
+          <a:prstGeom prst="rect">
+            <a:avLst/>
+          </a:prstGeom>
+        </p:spPr>
+      </p:pic>
+      <p:sp>
+        <p:nvSpPr>
+          <p:cNvPr id="11" name="TextBox 10">
+            <a:extLst>
+              <a:ext uri="{FF2B5EF4-FFF2-40B4-BE49-F238E27FC236}">
+                <a16:creationId xmlns:a16="http://schemas.microsoft.com/office/drawing/2014/main" id="{3FB359D4-9CDE-B6E8-57F2-4DEF74839898}"/>
+              </a:ext>
+            </a:extLst>
+          </p:cNvPr>
+          <p:cNvSpPr txBox="1"/>
+          <p:nvPr/>
+        </p:nvSpPr>
+        <p:spPr>
+          <a:xfrm>
+            <a:off x="5689478" y="419622"/>
+            <a:ext cx="785793" cy="369332"/>
+          </a:xfrm>
+          <a:prstGeom prst="rect">
+            <a:avLst/>
+          </a:prstGeom>
+          <a:noFill/>
+        </p:spPr>
+        <p:txBody>
+          <a:bodyPr wrap="none" rtlCol="0">
+            <a:spAutoFit/>
+          </a:bodyPr>
+          <a:lstStyle/>
+          <a:p>
+            <a:r>
+              <a:rPr lang="en-DE" dirty="0"/>
+              <a:t>CDKL5</a:t>
+            </a:r>
+          </a:p>
+        </p:txBody>
+      </p:sp>
+    </p:spTree>
+    <p:extLst>
+      <p:ext uri="{BB962C8B-B14F-4D97-AF65-F5344CB8AC3E}">
+        <p14:creationId xmlns:p14="http://schemas.microsoft.com/office/powerpoint/2010/main" val="2633188890"/>
+      </p:ext>
+    </p:extLst>
+  </p:cSld>
+  <p:clrMapOvr>
+    <a:masterClrMapping/>
+  </p:clrMapOvr>
+</p:sld>
+</file>
+
 <file path=ppt/slides/slide2.xml><?xml version="1.0" encoding="utf-8"?>
 <p:sld xmlns:a="http://schemas.openxmlformats.org/drawingml/2006/main" xmlns:r="http://schemas.openxmlformats.org/officeDocument/2006/relationships" xmlns:p="http://schemas.openxmlformats.org/presentationml/2006/main">
   <p:cSld>
